--- a/Assets/Class/Joint/PPT Data/Joint Example.pptx
+++ b/Assets/Class/Joint/PPT Data/Joint Example.pptx
@@ -2,24 +2,21 @@
 <file path=ppt/presentation.xml><?xml version="1.0" encoding="utf-8"?>
 <p:presentation xmlns:a="http://schemas.openxmlformats.org/drawingml/2006/main" xmlns:r="http://schemas.openxmlformats.org/officeDocument/2006/relationships" xmlns:p="http://schemas.openxmlformats.org/presentationml/2006/main" xmlns:p14="http://schemas.microsoft.com/office/powerpoint/2010/main" saveSubsetFonts="1" firstSlideNum="0">
   <p:sldMasterIdLst>
-    <p:sldMasterId id="2147485812" r:id="rId23"/>
-    <p:sldMasterId id="2147485813" r:id="rId25"/>
+    <p:sldMasterId id="2147485814" r:id="rId23"/>
+    <p:sldMasterId id="2147485815" r:id="rId25"/>
   </p:sldMasterIdLst>
   <p:notesMasterIdLst>
     <p:notesMasterId r:id="rId27"/>
   </p:notesMasterIdLst>
   <p:sldIdLst>
     <p:sldId id="293" r:id="rId29"/>
-    <p:sldId id="294" r:id="rId30"/>
-    <p:sldId id="295" r:id="rId31"/>
-    <p:sldId id="296" r:id="rId32"/>
-    <p:sldId id="280" r:id="rId33"/>
-    <p:sldId id="297" r:id="rId34"/>
-    <p:sldId id="298" r:id="rId35"/>
-    <p:sldId id="299" r:id="rId36"/>
-    <p:sldId id="300" r:id="rId37"/>
-    <p:sldId id="301" r:id="rId38"/>
-    <p:sldId id="302" r:id="rId39"/>
+    <p:sldId id="294" r:id="rId31"/>
+    <p:sldId id="295" r:id="rId33"/>
+    <p:sldId id="296" r:id="rId35"/>
+    <p:sldId id="280" r:id="rId37"/>
+    <p:sldId id="297" r:id="rId39"/>
+    <p:sldId id="298" r:id="rId41"/>
+    <p:sldId id="299" r:id="rId43"/>
   </p:sldIdLst>
   <p:sldSz cx="12192000" cy="6858000"/>
   <p:notesSz cx="6858000" cy="9144000"/>
@@ -620,290 +617,6 @@
 </p:notes>
 </file>
 
-<file path=ppt/notesSlides/notesSlide10.xml><?xml version="1.0" encoding="utf-8"?>
-<p:notes xmlns:a="http://schemas.openxmlformats.org/drawingml/2006/main" xmlns:r="http://schemas.openxmlformats.org/officeDocument/2006/relationships" xmlns:p="http://schemas.openxmlformats.org/presentationml/2006/main">
-  <p:cSld>
-    <p:spTree>
-      <p:nvGrpSpPr>
-        <p:cNvPr id="1" name=""/>
-        <p:cNvGrpSpPr/>
-        <p:nvPr/>
-      </p:nvGrpSpPr>
-      <p:grpSpPr>
-        <a:xfrm>
-          <a:off x="0" y="0"/>
-          <a:ext cx="0" cy="0"/>
-          <a:chOff x="0" y="0"/>
-          <a:chExt cx="0" cy="0"/>
-        </a:xfrm>
-      </p:grpSpPr>
-      <p:sp>
-        <p:nvSpPr>
-          <p:cNvPr id="2" name="슬라이드 이미지 개체 틀 3"/>
-          <p:cNvSpPr>
-            <a:spLocks noChangeAspect="1"/>
-          </p:cNvSpPr>
-          <p:nvPr>
-            <p:ph type="sldImg" idx="2"/>
-          </p:nvPr>
-        </p:nvSpPr>
-        <p:spPr>
-          <a:xfrm rot="0">
-            <a:off x="685800" y="1143000"/>
-            <a:ext cx="5490210" cy="3089910"/>
-          </a:xfrm>
-          <a:prstGeom prst="rect"/>
-          <a:noFill/>
-          <a:ln w="12700" cap="flat" cmpd="sng">
-            <a:solidFill>
-              <a:srgbClr val="000000">
-                <a:alpha val="100000"/>
-              </a:srgbClr>
-            </a:solidFill>
-            <a:prstDash val="solid"/>
-          </a:ln>
-        </p:spPr>
-        <p:txBody>
-          <a:bodyPr wrap="square" lIns="91440" tIns="45720" rIns="91440" bIns="45720" numCol="1" vert="horz" anchor="ctr">
-            <a:noAutofit/>
-          </a:bodyPr>
-          <a:lstStyle/>
-          <a:p>
-            <a:pPr marL="0" indent="0" latinLnBrk="0">
-              <a:buFontTx/>
-              <a:buNone/>
-            </a:pPr>
-          </a:p>
-        </p:txBody>
-      </p:sp>
-      <p:sp>
-        <p:nvSpPr>
-          <p:cNvPr id="3" name="슬라이드 노트 개체 틀 4"/>
-          <p:cNvSpPr txBox="1">
-            <a:spLocks/>
-          </p:cNvSpPr>
-          <p:nvPr>
-            <p:ph type="body" idx="3"/>
-          </p:nvPr>
-        </p:nvSpPr>
-        <p:spPr>
-          <a:xfrm rot="0">
-            <a:off x="685800" y="4400550"/>
-            <a:ext cx="5490210" cy="3604260"/>
-          </a:xfrm>
-          <a:prstGeom prst="rect"/>
-        </p:spPr>
-        <p:txBody>
-          <a:bodyPr wrap="square" lIns="91440" tIns="45720" rIns="91440" bIns="45720" numCol="1" vert="horz" anchor="t">
-            <a:noAutofit/>
-          </a:bodyPr>
-          <a:lstStyle/>
-          <a:p>
-            <a:pPr marL="0" indent="0" latinLnBrk="0">
-              <a:buFontTx/>
-              <a:buNone/>
-            </a:pPr>
-          </a:p>
-        </p:txBody>
-      </p:sp>
-      <p:sp>
-        <p:nvSpPr>
-          <p:cNvPr id="4" name="슬라이드 번호 개체 틀 6"/>
-          <p:cNvSpPr txBox="1">
-            <a:spLocks/>
-          </p:cNvSpPr>
-          <p:nvPr>
-            <p:ph type="sldNum" idx="5"/>
-          </p:nvPr>
-        </p:nvSpPr>
-        <p:spPr>
-          <a:xfrm rot="0">
-            <a:off x="3884930" y="8685530"/>
-            <a:ext cx="2975610" cy="462280"/>
-          </a:xfrm>
-          <a:prstGeom prst="rect"/>
-        </p:spPr>
-        <p:txBody>
-          <a:bodyPr wrap="square" lIns="91440" tIns="45720" rIns="91440" bIns="45720" numCol="1" vert="horz" anchor="b">
-            <a:noAutofit/>
-          </a:bodyPr>
-          <a:lstStyle>
-            <a:lvl1pPr marL="0" indent="0" algn="r" latinLnBrk="0">
-              <a:buFontTx/>
-              <a:buNone/>
-              <a:defRPr lang="en-GB" altLang="en-US" sz="1200"/>
-            </a:lvl1pPr>
-          </a:lstStyle>
-          <a:p>
-            <a:pPr marL="0" indent="0" latinLnBrk="0">
-              <a:buFontTx/>
-              <a:buNone/>
-            </a:pPr>
-            <a:fld id="{B9320F77-B9A0-41C5-862A-B4B631284C64}" type="slidenum">
-              <a:rPr lang="ko-KR" altLang="en-US"/>
-              <a:t>‹#›</a:t>
-            </a:fld>
-          </a:p>
-        </p:txBody>
-      </p:sp>
-    </p:spTree>
-  </p:cSld>
-  <p:clrMapOvr>
-    <a:masterClrMapping/>
-  </p:clrMapOvr>
-  <mc:AlternateContent xmlns:mc="http://schemas.openxmlformats.org/markup-compatibility/2006">
-    <mc:Choice xmlns:p14="http://schemas.microsoft.com/office/powerpoint/2010/main" Requires="p14">
-      <p:transition spd="slow" p14:dur="0"/>
-    </mc:Choice>
-    <mc:Fallback>
-      <p:transition spd="slow"/>
-    </mc:Fallback>
-  </mc:AlternateContent>
-</p:notes>
-</file>
-
-<file path=ppt/notesSlides/notesSlide11.xml><?xml version="1.0" encoding="utf-8"?>
-<p:notes xmlns:a="http://schemas.openxmlformats.org/drawingml/2006/main" xmlns:r="http://schemas.openxmlformats.org/officeDocument/2006/relationships" xmlns:p="http://schemas.openxmlformats.org/presentationml/2006/main">
-  <p:cSld>
-    <p:spTree>
-      <p:nvGrpSpPr>
-        <p:cNvPr id="1" name=""/>
-        <p:cNvGrpSpPr/>
-        <p:nvPr/>
-      </p:nvGrpSpPr>
-      <p:grpSpPr>
-        <a:xfrm>
-          <a:off x="0" y="0"/>
-          <a:ext cx="0" cy="0"/>
-          <a:chOff x="0" y="0"/>
-          <a:chExt cx="0" cy="0"/>
-        </a:xfrm>
-      </p:grpSpPr>
-      <p:sp>
-        <p:nvSpPr>
-          <p:cNvPr id="2" name="슬라이드 이미지 개체 틀 3"/>
-          <p:cNvSpPr>
-            <a:spLocks noChangeAspect="1"/>
-          </p:cNvSpPr>
-          <p:nvPr>
-            <p:ph type="sldImg" idx="2"/>
-          </p:nvPr>
-        </p:nvSpPr>
-        <p:spPr>
-          <a:xfrm rot="0">
-            <a:off x="685800" y="1143000"/>
-            <a:ext cx="5490210" cy="3089910"/>
-          </a:xfrm>
-          <a:prstGeom prst="rect"/>
-          <a:noFill/>
-          <a:ln w="12700" cap="flat" cmpd="sng">
-            <a:solidFill>
-              <a:srgbClr val="000000">
-                <a:alpha val="100000"/>
-              </a:srgbClr>
-            </a:solidFill>
-            <a:prstDash val="solid"/>
-          </a:ln>
-        </p:spPr>
-        <p:txBody>
-          <a:bodyPr wrap="square" lIns="91440" tIns="45720" rIns="91440" bIns="45720" numCol="1" vert="horz" anchor="ctr">
-            <a:noAutofit/>
-          </a:bodyPr>
-          <a:lstStyle/>
-          <a:p>
-            <a:pPr marL="0" indent="0" latinLnBrk="0">
-              <a:buFontTx/>
-              <a:buNone/>
-            </a:pPr>
-          </a:p>
-        </p:txBody>
-      </p:sp>
-      <p:sp>
-        <p:nvSpPr>
-          <p:cNvPr id="3" name="슬라이드 노트 개체 틀 4"/>
-          <p:cNvSpPr txBox="1">
-            <a:spLocks/>
-          </p:cNvSpPr>
-          <p:nvPr>
-            <p:ph type="body" idx="3"/>
-          </p:nvPr>
-        </p:nvSpPr>
-        <p:spPr>
-          <a:xfrm rot="0">
-            <a:off x="685800" y="4400550"/>
-            <a:ext cx="5490210" cy="3604260"/>
-          </a:xfrm>
-          <a:prstGeom prst="rect"/>
-        </p:spPr>
-        <p:txBody>
-          <a:bodyPr wrap="square" lIns="91440" tIns="45720" rIns="91440" bIns="45720" numCol="1" vert="horz" anchor="t">
-            <a:noAutofit/>
-          </a:bodyPr>
-          <a:lstStyle/>
-          <a:p>
-            <a:pPr marL="0" indent="0" latinLnBrk="0">
-              <a:buFontTx/>
-              <a:buNone/>
-            </a:pPr>
-          </a:p>
-        </p:txBody>
-      </p:sp>
-      <p:sp>
-        <p:nvSpPr>
-          <p:cNvPr id="4" name="슬라이드 번호 개체 틀 6"/>
-          <p:cNvSpPr txBox="1">
-            <a:spLocks/>
-          </p:cNvSpPr>
-          <p:nvPr>
-            <p:ph type="sldNum" idx="5"/>
-          </p:nvPr>
-        </p:nvSpPr>
-        <p:spPr>
-          <a:xfrm rot="0">
-            <a:off x="3884930" y="8685530"/>
-            <a:ext cx="2975610" cy="462280"/>
-          </a:xfrm>
-          <a:prstGeom prst="rect"/>
-        </p:spPr>
-        <p:txBody>
-          <a:bodyPr wrap="square" lIns="91440" tIns="45720" rIns="91440" bIns="45720" numCol="1" vert="horz" anchor="b">
-            <a:noAutofit/>
-          </a:bodyPr>
-          <a:lstStyle>
-            <a:lvl1pPr marL="0" indent="0" algn="r" latinLnBrk="0">
-              <a:buFontTx/>
-              <a:buNone/>
-              <a:defRPr lang="en-GB" altLang="en-US" sz="1200"/>
-            </a:lvl1pPr>
-          </a:lstStyle>
-          <a:p>
-            <a:pPr marL="0" indent="0" latinLnBrk="0">
-              <a:buFontTx/>
-              <a:buNone/>
-            </a:pPr>
-            <a:fld id="{B9320F77-B9A0-41C5-862A-B4B631284C64}" type="slidenum">
-              <a:rPr lang="ko-KR" altLang="en-US"/>
-              <a:t>‹#›</a:t>
-            </a:fld>
-          </a:p>
-        </p:txBody>
-      </p:sp>
-    </p:spTree>
-  </p:cSld>
-  <p:clrMapOvr>
-    <a:masterClrMapping/>
-  </p:clrMapOvr>
-  <mc:AlternateContent xmlns:mc="http://schemas.openxmlformats.org/markup-compatibility/2006">
-    <mc:Choice xmlns:p14="http://schemas.microsoft.com/office/powerpoint/2010/main" Requires="p14">
-      <p:transition spd="slow" p14:dur="0"/>
-    </mc:Choice>
-    <mc:Fallback>
-      <p:transition spd="slow"/>
-    </mc:Fallback>
-  </mc:AlternateContent>
-</p:notes>
-</file>
-
 <file path=ppt/notesSlides/notesSlide2.xml><?xml version="1.0" encoding="utf-8"?>
 <p:notes xmlns:a="http://schemas.openxmlformats.org/drawingml/2006/main" xmlns:r="http://schemas.openxmlformats.org/officeDocument/2006/relationships" xmlns:p="http://schemas.openxmlformats.org/presentationml/2006/main">
   <p:cSld>
@@ -1856,148 +1569,6 @@
           <a:xfrm rot="0">
             <a:off x="3884930" y="8685530"/>
             <a:ext cx="2974975" cy="461645"/>
-          </a:xfrm>
-          <a:prstGeom prst="rect"/>
-        </p:spPr>
-        <p:txBody>
-          <a:bodyPr wrap="square" lIns="91440" tIns="45720" rIns="91440" bIns="45720" numCol="1" vert="horz" anchor="b">
-            <a:noAutofit/>
-          </a:bodyPr>
-          <a:lstStyle>
-            <a:lvl1pPr marL="0" indent="0" algn="r" latinLnBrk="0">
-              <a:buFontTx/>
-              <a:buNone/>
-              <a:defRPr lang="en-GB" altLang="en-US" sz="1200"/>
-            </a:lvl1pPr>
-          </a:lstStyle>
-          <a:p>
-            <a:pPr marL="0" indent="0" latinLnBrk="0">
-              <a:buFontTx/>
-              <a:buNone/>
-            </a:pPr>
-            <a:fld id="{B9320F77-B9A0-41C5-862A-B4B631284C64}" type="slidenum">
-              <a:rPr lang="ko-KR" altLang="en-US"/>
-              <a:t>‹#›</a:t>
-            </a:fld>
-          </a:p>
-        </p:txBody>
-      </p:sp>
-    </p:spTree>
-  </p:cSld>
-  <p:clrMapOvr>
-    <a:masterClrMapping/>
-  </p:clrMapOvr>
-  <mc:AlternateContent xmlns:mc="http://schemas.openxmlformats.org/markup-compatibility/2006">
-    <mc:Choice xmlns:p14="http://schemas.microsoft.com/office/powerpoint/2010/main" Requires="p14">
-      <p:transition spd="slow" p14:dur="0"/>
-    </mc:Choice>
-    <mc:Fallback>
-      <p:transition spd="slow"/>
-    </mc:Fallback>
-  </mc:AlternateContent>
-</p:notes>
-</file>
-
-<file path=ppt/notesSlides/notesSlide9.xml><?xml version="1.0" encoding="utf-8"?>
-<p:notes xmlns:a="http://schemas.openxmlformats.org/drawingml/2006/main" xmlns:r="http://schemas.openxmlformats.org/officeDocument/2006/relationships" xmlns:p="http://schemas.openxmlformats.org/presentationml/2006/main">
-  <p:cSld>
-    <p:spTree>
-      <p:nvGrpSpPr>
-        <p:cNvPr id="1" name=""/>
-        <p:cNvGrpSpPr/>
-        <p:nvPr/>
-      </p:nvGrpSpPr>
-      <p:grpSpPr>
-        <a:xfrm>
-          <a:off x="0" y="0"/>
-          <a:ext cx="0" cy="0"/>
-          <a:chOff x="0" y="0"/>
-          <a:chExt cx="0" cy="0"/>
-        </a:xfrm>
-      </p:grpSpPr>
-      <p:sp>
-        <p:nvSpPr>
-          <p:cNvPr id="2" name="슬라이드 이미지 개체 틀 3"/>
-          <p:cNvSpPr>
-            <a:spLocks noChangeAspect="1"/>
-          </p:cNvSpPr>
-          <p:nvPr>
-            <p:ph type="sldImg" idx="2"/>
-          </p:nvPr>
-        </p:nvSpPr>
-        <p:spPr>
-          <a:xfrm rot="0">
-            <a:off x="685800" y="1143000"/>
-            <a:ext cx="5490210" cy="3089910"/>
-          </a:xfrm>
-          <a:prstGeom prst="rect"/>
-          <a:noFill/>
-          <a:ln w="12700" cap="flat" cmpd="sng">
-            <a:solidFill>
-              <a:srgbClr val="000000">
-                <a:alpha val="100000"/>
-              </a:srgbClr>
-            </a:solidFill>
-            <a:prstDash val="solid"/>
-          </a:ln>
-        </p:spPr>
-        <p:txBody>
-          <a:bodyPr wrap="square" lIns="91440" tIns="45720" rIns="91440" bIns="45720" numCol="1" vert="horz" anchor="ctr">
-            <a:noAutofit/>
-          </a:bodyPr>
-          <a:lstStyle/>
-          <a:p>
-            <a:pPr marL="0" indent="0" latinLnBrk="0">
-              <a:buFontTx/>
-              <a:buNone/>
-            </a:pPr>
-          </a:p>
-        </p:txBody>
-      </p:sp>
-      <p:sp>
-        <p:nvSpPr>
-          <p:cNvPr id="3" name="슬라이드 노트 개체 틀 4"/>
-          <p:cNvSpPr txBox="1">
-            <a:spLocks/>
-          </p:cNvSpPr>
-          <p:nvPr>
-            <p:ph type="body" idx="3"/>
-          </p:nvPr>
-        </p:nvSpPr>
-        <p:spPr>
-          <a:xfrm rot="0">
-            <a:off x="685800" y="4400550"/>
-            <a:ext cx="5490210" cy="3604260"/>
-          </a:xfrm>
-          <a:prstGeom prst="rect"/>
-        </p:spPr>
-        <p:txBody>
-          <a:bodyPr wrap="square" lIns="91440" tIns="45720" rIns="91440" bIns="45720" numCol="1" vert="horz" anchor="t">
-            <a:noAutofit/>
-          </a:bodyPr>
-          <a:lstStyle/>
-          <a:p>
-            <a:pPr marL="0" indent="0" latinLnBrk="0">
-              <a:buFontTx/>
-              <a:buNone/>
-            </a:pPr>
-          </a:p>
-        </p:txBody>
-      </p:sp>
-      <p:sp>
-        <p:nvSpPr>
-          <p:cNvPr id="4" name="슬라이드 번호 개체 틀 6"/>
-          <p:cNvSpPr txBox="1">
-            <a:spLocks/>
-          </p:cNvSpPr>
-          <p:nvPr>
-            <p:ph type="sldNum" idx="5"/>
-          </p:nvPr>
-        </p:nvSpPr>
-        <p:spPr>
-          <a:xfrm rot="0">
-            <a:off x="3884930" y="8685530"/>
-            <a:ext cx="2975610" cy="462280"/>
           </a:xfrm>
           <a:prstGeom prst="rect"/>
         </p:spPr>
@@ -10425,964 +9996,6 @@
 </p:sld>
 </file>
 
-<file path=ppt/slides/slide10.xml><?xml version="1.0" encoding="utf-8"?>
-<p:sld xmlns:a="http://schemas.openxmlformats.org/drawingml/2006/main" xmlns:r="http://schemas.openxmlformats.org/officeDocument/2006/relationships" xmlns:p="http://schemas.openxmlformats.org/presentationml/2006/main">
-  <p:cSld>
-    <p:spTree>
-      <p:nvGrpSpPr>
-        <p:cNvPr id="1" name=""/>
-        <p:cNvGrpSpPr/>
-        <p:nvPr/>
-      </p:nvGrpSpPr>
-      <p:grpSpPr>
-        <a:xfrm>
-          <a:off x="0" y="0"/>
-          <a:ext cx="0" cy="0"/>
-          <a:chOff x="0" y="0"/>
-          <a:chExt cx="0" cy="0"/>
-        </a:xfrm>
-      </p:grpSpPr>
-      <p:sp>
-        <p:nvSpPr>
-          <p:cNvPr id="1031" name="Rect 0"/>
-          <p:cNvSpPr txBox="1">
-            <a:spLocks/>
-          </p:cNvSpPr>
-          <p:nvPr/>
-        </p:nvSpPr>
-        <p:spPr>
-          <a:xfrm rot="0">
-            <a:off x="4523740" y="467360"/>
-            <a:ext cx="3157220" cy="554990"/>
-          </a:xfrm>
-          <a:prstGeom prst="rect"/>
-          <a:noFill/>
-          <a:ln w="0">
-            <a:noFill/>
-            <a:prstDash/>
-          </a:ln>
-        </p:spPr>
-        <p:txBody>
-          <a:bodyPr wrap="square" lIns="89535" tIns="46355" rIns="89535" bIns="46355" numCol="1" vert="horz" anchor="t">
-            <a:spAutoFit/>
-          </a:bodyPr>
-          <a:lstStyle/>
-          <a:p>
-            <a:pPr marL="0" indent="0" algn="l" latinLnBrk="0">
-              <a:buFontTx/>
-              <a:buNone/>
-            </a:pPr>
-            <a:r>
-              <a:rPr lang="ko-KR" sz="3000" b="1">
-                <a:solidFill>
-                  <a:schemeClr val="tx1"/>
-                </a:solidFill>
-                <a:latin typeface="맑은 고딕" charset="0"/>
-                <a:ea typeface="맑은 고딕" charset="0"/>
-              </a:rPr>
-              <a:t>열</a:t>
-            </a:r>
-            <a:r>
-              <a:rPr lang="ko-KR" sz="3000" b="1">
-                <a:solidFill>
-                  <a:schemeClr val="tx1"/>
-                </a:solidFill>
-                <a:latin typeface="맑은 고딕" charset="0"/>
-                <a:ea typeface="맑은 고딕" charset="0"/>
-              </a:rPr>
-              <a:t> 번째 튜토리얼</a:t>
-            </a:r>
-            <a:endParaRPr lang="ko-KR" altLang="en-US" sz="3000" b="1">
-              <a:solidFill>
-                <a:schemeClr val="tx1"/>
-              </a:solidFill>
-              <a:latin typeface="맑은 고딕" charset="0"/>
-              <a:ea typeface="맑은 고딕" charset="0"/>
-            </a:endParaRPr>
-          </a:p>
-        </p:txBody>
-      </p:sp>
-      <p:sp>
-        <p:nvSpPr>
-          <p:cNvPr id="1053" name="Rect 0"/>
-          <p:cNvSpPr txBox="1">
-            <a:spLocks/>
-          </p:cNvSpPr>
-          <p:nvPr/>
-        </p:nvSpPr>
-        <p:spPr>
-          <a:xfrm rot="0">
-            <a:off x="1412240" y="4532630"/>
-            <a:ext cx="3987165" cy="1784985"/>
-          </a:xfrm>
-          <a:prstGeom prst="rect"/>
-          <a:noFill/>
-          <a:ln w="0">
-            <a:noFill/>
-            <a:prstDash/>
-          </a:ln>
-        </p:spPr>
-        <p:txBody>
-          <a:bodyPr wrap="square" lIns="89535" tIns="46355" rIns="89535" bIns="46355" numCol="1" vert="horz" anchor="t">
-            <a:spAutoFit/>
-          </a:bodyPr>
-          <a:lstStyle/>
-          <a:p>
-            <a:pPr marL="0" indent="0" rtl="0" algn="l" defTabSz="914400" eaLnBrk="1" latinLnBrk="0" hangingPunct="1">
-              <a:buFontTx/>
-              <a:buNone/>
-            </a:pPr>
-            <a:r>
-              <a:rPr lang="ko-KR" sz="2000" b="1">
-                <a:solidFill>
-                  <a:srgbClr val="0611F2"/>
-                </a:solidFill>
-                <a:latin typeface="맑은 고딕" charset="0"/>
-                <a:ea typeface="맑은 고딕" charset="0"/>
-              </a:rPr>
-              <a:t>1</a:t>
-            </a:r>
-            <a:r>
-              <a:rPr lang="ko-KR" sz="2000" b="1">
-                <a:solidFill>
-                  <a:srgbClr val="0611F2"/>
-                </a:solidFill>
-                <a:latin typeface="맑은 고딕" charset="0"/>
-                <a:ea typeface="맑은 고딕" charset="0"/>
-              </a:rPr>
-              <a:t>8</a:t>
-            </a:r>
-            <a:r>
-              <a:rPr sz="2000" b="1">
-                <a:solidFill>
-                  <a:srgbClr val="0611F2"/>
-                </a:solidFill>
-                <a:latin typeface="맑은 고딕" charset="0"/>
-                <a:ea typeface="맑은 고딕" charset="0"/>
-              </a:rPr>
-              <a:t>. </a:t>
-            </a:r>
-            <a:r>
-              <a:rPr lang="ko-KR" sz="1800">
-                <a:latin typeface="맑은 고딕" charset="0"/>
-                <a:ea typeface="맑은 고딕" charset="0"/>
-              </a:rPr>
-              <a:t>이제 Switching 스크립트를 선택합니다.</a:t>
-            </a:r>
-            <a:endParaRPr lang="ko-KR" altLang="en-US" sz="1800">
-              <a:latin typeface="맑은 고딕" charset="0"/>
-              <a:ea typeface="맑은 고딕" charset="0"/>
-            </a:endParaRPr>
-          </a:p>
-          <a:p>
-            <a:pPr marL="0" indent="0" rtl="0" algn="l" defTabSz="914400" eaLnBrk="1" latinLnBrk="0" hangingPunct="1">
-              <a:buFontTx/>
-              <a:buNone/>
-            </a:pPr>
-            <a:endParaRPr lang="ko-KR" altLang="en-US" sz="1800">
-              <a:latin typeface="맑은 고딕" charset="0"/>
-              <a:ea typeface="맑은 고딕" charset="0"/>
-            </a:endParaRPr>
-          </a:p>
-          <a:p>
-            <a:pPr marL="0" indent="0" rtl="0" algn="l" defTabSz="914400" eaLnBrk="1" latinLnBrk="0" hangingPunct="1">
-              <a:buFontTx/>
-              <a:buNone/>
-            </a:pPr>
-            <a:r>
-              <a:rPr lang="ko-KR" sz="1800">
-                <a:latin typeface="맑은 고딕" charset="0"/>
-                <a:ea typeface="맑은 고딕" charset="0"/>
-              </a:rPr>
-              <a:t>그리고 Image 변수와 Sprite 변수를 선언한 다음 boolean 변수를 선언합니다.</a:t>
-            </a:r>
-            <a:endParaRPr lang="ko-KR" altLang="en-US" sz="1800">
-              <a:latin typeface="맑은 고딕" charset="0"/>
-              <a:ea typeface="맑은 고딕" charset="0"/>
-            </a:endParaRPr>
-          </a:p>
-        </p:txBody>
-      </p:sp>
-      <p:sp>
-        <p:nvSpPr>
-          <p:cNvPr id="1061" name="Rect 0"/>
-          <p:cNvSpPr txBox="1">
-            <a:spLocks/>
-          </p:cNvSpPr>
-          <p:nvPr/>
-        </p:nvSpPr>
-        <p:spPr>
-          <a:xfrm rot="0">
-            <a:off x="6809105" y="3698875"/>
-            <a:ext cx="4105910" cy="2615565"/>
-          </a:xfrm>
-          <a:prstGeom prst="rect"/>
-          <a:noFill/>
-          <a:ln w="0">
-            <a:noFill/>
-            <a:prstDash/>
-          </a:ln>
-        </p:spPr>
-        <p:txBody>
-          <a:bodyPr wrap="square" lIns="89535" tIns="46355" rIns="89535" bIns="46355" numCol="1" vert="horz" anchor="t">
-            <a:spAutoFit/>
-          </a:bodyPr>
-          <a:lstStyle/>
-          <a:p>
-            <a:pPr marL="0" indent="0" rtl="0" algn="l" defTabSz="914400" eaLnBrk="1" latinLnBrk="0" hangingPunct="1">
-              <a:buFontTx/>
-              <a:buNone/>
-            </a:pPr>
-            <a:r>
-              <a:rPr lang="ko-KR" sz="2000" b="1">
-                <a:solidFill>
-                  <a:srgbClr val="0611F2"/>
-                </a:solidFill>
-                <a:latin typeface="맑은 고딕" charset="0"/>
-                <a:ea typeface="맑은 고딕" charset="0"/>
-              </a:rPr>
-              <a:t>1</a:t>
-            </a:r>
-            <a:r>
-              <a:rPr lang="ko-KR" sz="2000" b="1">
-                <a:solidFill>
-                  <a:srgbClr val="0611F2"/>
-                </a:solidFill>
-                <a:latin typeface="맑은 고딕" charset="0"/>
-                <a:ea typeface="맑은 고딕" charset="0"/>
-              </a:rPr>
-              <a:t>9</a:t>
-            </a:r>
-            <a:r>
-              <a:rPr sz="2000" b="1">
-                <a:solidFill>
-                  <a:srgbClr val="0611F2"/>
-                </a:solidFill>
-                <a:latin typeface="맑은 고딕" charset="0"/>
-                <a:ea typeface="맑은 고딕" charset="0"/>
-              </a:rPr>
-              <a:t>. </a:t>
-            </a:r>
-            <a:r>
-              <a:rPr lang="ko-KR" sz="1800">
-                <a:latin typeface="맑은 고딕" charset="0"/>
-                <a:ea typeface="맑은 고딕" charset="0"/>
-              </a:rPr>
-              <a:t>그런 다음 Behaviour( ) 함수를 선언합니다.</a:t>
-            </a:r>
-            <a:endParaRPr lang="ko-KR" altLang="en-US" sz="1800">
-              <a:latin typeface="맑은 고딕" charset="0"/>
-              <a:ea typeface="맑은 고딕" charset="0"/>
-            </a:endParaRPr>
-          </a:p>
-          <a:p>
-            <a:pPr marL="0" indent="0" rtl="0" algn="l" defTabSz="914400" eaLnBrk="1" latinLnBrk="0" hangingPunct="1">
-              <a:buFontTx/>
-              <a:buNone/>
-            </a:pPr>
-            <a:endParaRPr lang="ko-KR" altLang="en-US" sz="1800">
-              <a:latin typeface="맑은 고딕" charset="0"/>
-              <a:ea typeface="맑은 고딕" charset="0"/>
-            </a:endParaRPr>
-          </a:p>
-          <a:p>
-            <a:pPr marL="0" indent="0" rtl="0" algn="l" defTabSz="914400" eaLnBrk="1" latinLnBrk="0" hangingPunct="1">
-              <a:buFontTx/>
-              <a:buNone/>
-            </a:pPr>
-            <a:r>
-              <a:rPr lang="ko-KR" sz="1800">
-                <a:latin typeface="맑은 고딕" charset="0"/>
-                <a:ea typeface="맑은 고딕" charset="0"/>
-              </a:rPr>
-              <a:t>그다음 조건문으로 state 변수가 true이면 Time.timeScale을 0으로 설정합니다.</a:t>
-            </a:r>
-            <a:endParaRPr lang="ko-KR" altLang="en-US" sz="1800">
-              <a:latin typeface="맑은 고딕" charset="0"/>
-              <a:ea typeface="맑은 고딕" charset="0"/>
-            </a:endParaRPr>
-          </a:p>
-          <a:p>
-            <a:pPr marL="0" indent="0" rtl="0" algn="l" defTabSz="914400" eaLnBrk="1" latinLnBrk="0" hangingPunct="1">
-              <a:buFontTx/>
-              <a:buNone/>
-            </a:pPr>
-            <a:endParaRPr lang="ko-KR" altLang="en-US" sz="1800">
-              <a:latin typeface="맑은 고딕" charset="0"/>
-              <a:ea typeface="맑은 고딕" charset="0"/>
-            </a:endParaRPr>
-          </a:p>
-          <a:p>
-            <a:pPr marL="0" indent="0" rtl="0" algn="l" defTabSz="914400" eaLnBrk="1" latinLnBrk="0" hangingPunct="1">
-              <a:buFontTx/>
-              <a:buNone/>
-            </a:pPr>
-            <a:r>
-              <a:rPr lang="ko-KR" sz="1800">
-                <a:latin typeface="맑은 고딕" charset="0"/>
-                <a:ea typeface="맑은 고딕" charset="0"/>
-              </a:rPr>
-              <a:t>그리고 state 변수가 false이면 Time.timeScale을 1로 설정합니다.</a:t>
-            </a:r>
-            <a:endParaRPr lang="ko-KR" altLang="en-US" sz="1800">
-              <a:latin typeface="맑은 고딕" charset="0"/>
-              <a:ea typeface="맑은 고딕" charset="0"/>
-            </a:endParaRPr>
-          </a:p>
-        </p:txBody>
-      </p:sp>
-      <p:pic>
-        <p:nvPicPr>
-          <p:cNvPr id="1070" name="그림 21" descr="C:/Users/Admin1/AppData/Roaming/PolarisOffice/ETemp/18200_22907784/fImage75233095724.png"/>
-          <p:cNvPicPr>
-            <a:picLocks noChangeAspect="1"/>
-          </p:cNvPicPr>
-          <p:nvPr/>
-        </p:nvPicPr>
-        <p:blipFill rotWithShape="1">
-          <a:blip r:embed="rId2" cstate="print">
-            <a:extLst>
-              <a:ext uri="{28A0092B-C50C-407E-A947-70E740481C1C}">
-                <a14:useLocalDpi xmlns:a14="http://schemas.microsoft.com/office/drawing/2010/main" val="0"/>
-              </a:ext>
-            </a:extLst>
-          </a:blip>
-          <a:stretch>
-            <a:fillRect/>
-          </a:stretch>
-        </p:blipFill>
-        <p:spPr>
-          <a:xfrm rot="0">
-            <a:off x="1388745" y="1499870"/>
-            <a:ext cx="4001135" cy="2946400"/>
-          </a:xfrm>
-          <a:prstGeom prst="roundRect"/>
-          <a:solidFill>
-            <a:srgbClr val="EDEDED"/>
-          </a:solidFill>
-        </p:spPr>
-      </p:pic>
-      <p:pic>
-        <p:nvPicPr>
-          <p:cNvPr id="1071" name="그림 28" descr="C:/Users/Admin1/AppData/Roaming/PolarisOffice/ETemp/18200_22907784/fImage66683101478.png"/>
-          <p:cNvPicPr>
-            <a:picLocks noChangeAspect="1"/>
-          </p:cNvPicPr>
-          <p:nvPr/>
-        </p:nvPicPr>
-        <p:blipFill rotWithShape="1">
-          <a:blip r:embed="rId3" cstate="print">
-            <a:extLst>
-              <a:ext uri="{28A0092B-C50C-407E-A947-70E740481C1C}">
-                <a14:useLocalDpi xmlns:a14="http://schemas.microsoft.com/office/drawing/2010/main" val="0"/>
-              </a:ext>
-            </a:extLst>
-          </a:blip>
-          <a:stretch>
-            <a:fillRect/>
-          </a:stretch>
-        </p:blipFill>
-        <p:spPr>
-          <a:xfrm rot="0">
-            <a:off x="6814185" y="1490980"/>
-            <a:ext cx="4101465" cy="2133600"/>
-          </a:xfrm>
-          <a:prstGeom prst="rect"/>
-          <a:noFill/>
-        </p:spPr>
-      </p:pic>
-    </p:spTree>
-  </p:cSld>
-  <p:clrMapOvr>
-    <a:masterClrMapping/>
-  </p:clrMapOvr>
-  <mc:AlternateContent xmlns:mc="http://schemas.openxmlformats.org/markup-compatibility/2006">
-    <mc:Choice xmlns:p14="http://schemas.microsoft.com/office/powerpoint/2010/main" Requires="p14">
-      <p:transition spd="slow" p14:dur="2000"/>
-    </mc:Choice>
-    <mc:Fallback>
-      <p:transition spd="slow"/>
-    </mc:Fallback>
-  </mc:AlternateContent>
-  <p:timing>
-    <p:tnLst>
-      <p:par>
-        <p:cTn id="1" dur="indefinite" restart="never" nodeType="tmRoot"/>
-      </p:par>
-    </p:tnLst>
-  </p:timing>
-</p:sld>
-</file>
-
-<file path=ppt/slides/slide11.xml><?xml version="1.0" encoding="utf-8"?>
-<p:sld xmlns:a="http://schemas.openxmlformats.org/drawingml/2006/main" xmlns:r="http://schemas.openxmlformats.org/officeDocument/2006/relationships" xmlns:p="http://schemas.openxmlformats.org/presentationml/2006/main">
-  <p:cSld>
-    <p:spTree>
-      <p:nvGrpSpPr>
-        <p:cNvPr id="1" name=""/>
-        <p:cNvGrpSpPr/>
-        <p:nvPr/>
-      </p:nvGrpSpPr>
-      <p:grpSpPr>
-        <a:xfrm>
-          <a:off x="0" y="0"/>
-          <a:ext cx="0" cy="0"/>
-          <a:chOff x="0" y="0"/>
-          <a:chExt cx="0" cy="0"/>
-        </a:xfrm>
-      </p:grpSpPr>
-      <p:sp>
-        <p:nvSpPr>
-          <p:cNvPr id="1031" name="Rect 0"/>
-          <p:cNvSpPr txBox="1">
-            <a:spLocks/>
-          </p:cNvSpPr>
-          <p:nvPr/>
-        </p:nvSpPr>
-        <p:spPr>
-          <a:xfrm rot="0">
-            <a:off x="4354195" y="467360"/>
-            <a:ext cx="3498850" cy="554990"/>
-          </a:xfrm>
-          <a:prstGeom prst="rect"/>
-          <a:noFill/>
-          <a:ln w="0">
-            <a:noFill/>
-            <a:prstDash/>
-          </a:ln>
-        </p:spPr>
-        <p:txBody>
-          <a:bodyPr wrap="square" lIns="89535" tIns="46355" rIns="89535" bIns="46355" numCol="1" vert="horz" anchor="t">
-            <a:spAutoFit/>
-          </a:bodyPr>
-          <a:lstStyle/>
-          <a:p>
-            <a:pPr marL="0" indent="0" algn="l" latinLnBrk="0">
-              <a:buFontTx/>
-              <a:buNone/>
-            </a:pPr>
-            <a:r>
-              <a:rPr lang="ko-KR" sz="3000" b="1">
-                <a:solidFill>
-                  <a:schemeClr val="tx1"/>
-                </a:solidFill>
-                <a:latin typeface="맑은 고딕" charset="0"/>
-                <a:ea typeface="맑은 고딕" charset="0"/>
-              </a:rPr>
-              <a:t>열한</a:t>
-            </a:r>
-            <a:r>
-              <a:rPr lang="ko-KR" sz="3000" b="1">
-                <a:solidFill>
-                  <a:schemeClr val="tx1"/>
-                </a:solidFill>
-                <a:latin typeface="맑은 고딕" charset="0"/>
-                <a:ea typeface="맑은 고딕" charset="0"/>
-              </a:rPr>
-              <a:t> 번째 튜토리얼</a:t>
-            </a:r>
-            <a:endParaRPr lang="ko-KR" altLang="en-US" sz="3000" b="1">
-              <a:solidFill>
-                <a:schemeClr val="tx1"/>
-              </a:solidFill>
-              <a:latin typeface="맑은 고딕" charset="0"/>
-              <a:ea typeface="맑은 고딕" charset="0"/>
-            </a:endParaRPr>
-          </a:p>
-        </p:txBody>
-      </p:sp>
-      <p:sp>
-        <p:nvSpPr>
-          <p:cNvPr id="1053" name="Rect 0"/>
-          <p:cNvSpPr txBox="1">
-            <a:spLocks/>
-          </p:cNvSpPr>
-          <p:nvPr/>
-        </p:nvSpPr>
-        <p:spPr>
-          <a:xfrm rot="0">
-            <a:off x="1290955" y="4255770"/>
-            <a:ext cx="4117340" cy="2061845"/>
-          </a:xfrm>
-          <a:prstGeom prst="rect"/>
-          <a:noFill/>
-          <a:ln w="0">
-            <a:noFill/>
-            <a:prstDash/>
-          </a:ln>
-        </p:spPr>
-        <p:txBody>
-          <a:bodyPr wrap="square" lIns="89535" tIns="46355" rIns="89535" bIns="46355" numCol="1" vert="horz" anchor="t">
-            <a:spAutoFit/>
-          </a:bodyPr>
-          <a:lstStyle/>
-          <a:p>
-            <a:pPr marL="0" indent="0" rtl="0" algn="l" defTabSz="914400" eaLnBrk="1" latinLnBrk="0" hangingPunct="1">
-              <a:buFontTx/>
-              <a:buNone/>
-            </a:pPr>
-            <a:r>
-              <a:rPr lang="ko-KR" sz="2000" b="1">
-                <a:solidFill>
-                  <a:srgbClr val="0611F2"/>
-                </a:solidFill>
-                <a:latin typeface="맑은 고딕" charset="0"/>
-                <a:ea typeface="맑은 고딕" charset="0"/>
-              </a:rPr>
-              <a:t>20</a:t>
-            </a:r>
-            <a:r>
-              <a:rPr sz="2000" b="1">
-                <a:solidFill>
-                  <a:srgbClr val="0611F2"/>
-                </a:solidFill>
-                <a:latin typeface="맑은 고딕" charset="0"/>
-                <a:ea typeface="맑은 고딕" charset="0"/>
-              </a:rPr>
-              <a:t>. </a:t>
-            </a:r>
-            <a:r>
-              <a:rPr lang="ko-KR" sz="1800">
-                <a:latin typeface="맑은 고딕" charset="0"/>
-                <a:ea typeface="맑은 고딕" charset="0"/>
-              </a:rPr>
-              <a:t>이제 Switching 스크립트를 선택하고 Project 폴더에 있는 Texture 폴더에 Pause 텍스처와 Play 텍스처를 넣어줍니다.</a:t>
-            </a:r>
-            <a:endParaRPr lang="ko-KR" altLang="en-US" sz="1800">
-              <a:latin typeface="맑은 고딕" charset="0"/>
-              <a:ea typeface="맑은 고딕" charset="0"/>
-            </a:endParaRPr>
-          </a:p>
-          <a:p>
-            <a:pPr marL="0" indent="0" rtl="0" algn="l" defTabSz="914400" eaLnBrk="1" latinLnBrk="0" hangingPunct="1">
-              <a:buFontTx/>
-              <a:buNone/>
-            </a:pPr>
-            <a:endParaRPr lang="ko-KR" altLang="en-US" sz="1800">
-              <a:latin typeface="맑은 고딕" charset="0"/>
-              <a:ea typeface="맑은 고딕" charset="0"/>
-            </a:endParaRPr>
-          </a:p>
-          <a:p>
-            <a:pPr marL="0" indent="0" rtl="0" algn="l" defTabSz="914400" eaLnBrk="1" latinLnBrk="0" hangingPunct="1">
-              <a:buFontTx/>
-              <a:buNone/>
-            </a:pPr>
-            <a:r>
-              <a:rPr lang="ko-KR" sz="1800">
-                <a:latin typeface="맑은 고딕" charset="0"/>
-                <a:ea typeface="맑은 고딕" charset="0"/>
-              </a:rPr>
-              <a:t>그다음 Pause Button 오브젝트를 선택하고 Button Image에 넣어줍니다.</a:t>
-            </a:r>
-            <a:endParaRPr lang="ko-KR" altLang="en-US" sz="1800">
-              <a:latin typeface="맑은 고딕" charset="0"/>
-              <a:ea typeface="맑은 고딕" charset="0"/>
-            </a:endParaRPr>
-          </a:p>
-        </p:txBody>
-      </p:sp>
-      <p:pic>
-        <p:nvPicPr>
-          <p:cNvPr id="1072" name="그림 30" descr="C:/Users/Admin1/AppData/Roaming/PolarisOffice/ETemp/18200_22907784/fImage149833199358.png"/>
-          <p:cNvPicPr>
-            <a:picLocks noChangeAspect="1"/>
-          </p:cNvPicPr>
-          <p:nvPr/>
-        </p:nvPicPr>
-        <p:blipFill rotWithShape="1">
-          <a:blip r:embed="rId2" cstate="print">
-            <a:extLst>
-              <a:ext uri="{28A0092B-C50C-407E-A947-70E740481C1C}">
-                <a14:useLocalDpi xmlns:a14="http://schemas.microsoft.com/office/drawing/2010/main" val="0"/>
-              </a:ext>
-            </a:extLst>
-          </a:blip>
-          <a:stretch>
-            <a:fillRect/>
-          </a:stretch>
-        </p:blipFill>
-        <p:spPr>
-          <a:xfrm rot="0">
-            <a:off x="1282065" y="1481455"/>
-            <a:ext cx="4126865" cy="1535430"/>
-          </a:xfrm>
-          <a:prstGeom prst="roundRect"/>
-          <a:solidFill>
-            <a:srgbClr val="EDEDED"/>
-          </a:solidFill>
-        </p:spPr>
-      </p:pic>
-      <p:pic>
-        <p:nvPicPr>
-          <p:cNvPr id="1073" name="그림 33" descr="C:/Users/Admin1/AppData/Roaming/PolarisOffice/ETemp/18200_22907784/fImage331733206962.png"/>
-          <p:cNvPicPr>
-            <a:picLocks noChangeAspect="1"/>
-          </p:cNvPicPr>
-          <p:nvPr/>
-        </p:nvPicPr>
-        <p:blipFill rotWithShape="1">
-          <a:blip r:embed="rId3" cstate="print">
-            <a:extLst>
-              <a:ext uri="{28A0092B-C50C-407E-A947-70E740481C1C}">
-                <a14:useLocalDpi xmlns:a14="http://schemas.microsoft.com/office/drawing/2010/main" val="0"/>
-              </a:ext>
-            </a:extLst>
-          </a:blip>
-          <a:stretch>
-            <a:fillRect/>
-          </a:stretch>
-        </p:blipFill>
-        <p:spPr>
-          <a:xfrm rot="0">
-            <a:off x="2623820" y="3218180"/>
-            <a:ext cx="2772410" cy="930275"/>
-          </a:xfrm>
-          <a:prstGeom prst="roundRect"/>
-          <a:solidFill>
-            <a:srgbClr val="EDEDED"/>
-          </a:solidFill>
-        </p:spPr>
-      </p:pic>
-      <p:cxnSp>
-        <p:nvCxnSpPr>
-          <p:cNvPr id="1074" name="도형 36"/>
-          <p:cNvCxnSpPr/>
-          <p:nvPr/>
-        </p:nvCxnSpPr>
-        <p:spPr>
-          <a:xfrm rot="0" flipV="1">
-            <a:off x="3680460" y="2693035"/>
-            <a:ext cx="1654810" cy="736600"/>
-          </a:xfrm>
-          <a:prstGeom prst="straightConnector1"/>
-          <a:ln w="6350" cap="flat" cmpd="sng">
-            <a:prstDash/>
-            <a:headEnd type="none" w="med" len="med"/>
-            <a:tailEnd type="triangle" w="med" len="med"/>
-          </a:ln>
-        </p:spPr>
-        <p:style>
-          <a:lnRef idx="1">
-            <a:schemeClr val="accent1"/>
-          </a:lnRef>
-          <a:fillRef idx="0">
-            <a:schemeClr val="accent1"/>
-          </a:fillRef>
-          <a:effectRef idx="0">
-            <a:schemeClr val="accent1"/>
-          </a:effectRef>
-          <a:fontRef idx="minor">
-            <a:schemeClr val="tx1"/>
-          </a:fontRef>
-        </p:style>
-      </p:cxnSp>
-      <p:cxnSp>
-        <p:nvCxnSpPr>
-          <p:cNvPr id="1075" name="도형 37"/>
-          <p:cNvCxnSpPr/>
-          <p:nvPr/>
-        </p:nvCxnSpPr>
-        <p:spPr>
-          <a:xfrm rot="0" flipV="1">
-            <a:off x="4277995" y="2519680"/>
-            <a:ext cx="1039495" cy="918845"/>
-          </a:xfrm>
-          <a:prstGeom prst="straightConnector1"/>
-          <a:ln w="6350" cap="flat" cmpd="sng">
-            <a:prstDash/>
-            <a:headEnd type="none" w="med" len="med"/>
-            <a:tailEnd type="triangle" w="med" len="med"/>
-          </a:ln>
-        </p:spPr>
-        <p:style>
-          <a:lnRef idx="1">
-            <a:schemeClr val="accent1"/>
-          </a:lnRef>
-          <a:fillRef idx="0">
-            <a:schemeClr val="accent1"/>
-          </a:fillRef>
-          <a:effectRef idx="0">
-            <a:schemeClr val="accent1"/>
-          </a:effectRef>
-          <a:fontRef idx="minor">
-            <a:schemeClr val="tx1"/>
-          </a:fontRef>
-        </p:style>
-      </p:cxnSp>
-      <p:pic>
-        <p:nvPicPr>
-          <p:cNvPr id="1076" name="그림 38" descr="C:/Users/Admin1/AppData/Roaming/PolarisOffice/ETemp/18200_22907784/fImage64693234464.png"/>
-          <p:cNvPicPr>
-            <a:picLocks noChangeAspect="1"/>
-          </p:cNvPicPr>
-          <p:nvPr/>
-        </p:nvPicPr>
-        <p:blipFill rotWithShape="1">
-          <a:blip r:embed="rId4" cstate="print">
-            <a:extLst>
-              <a:ext uri="{28A0092B-C50C-407E-A947-70E740481C1C}">
-                <a14:useLocalDpi xmlns:a14="http://schemas.microsoft.com/office/drawing/2010/main" val="0"/>
-              </a:ext>
-            </a:extLst>
-          </a:blip>
-          <a:stretch>
-            <a:fillRect/>
-          </a:stretch>
-        </p:blipFill>
-        <p:spPr>
-          <a:xfrm rot="0">
-            <a:off x="1282065" y="3257550"/>
-            <a:ext cx="1238885" cy="884555"/>
-          </a:xfrm>
-          <a:prstGeom prst="roundRect"/>
-          <a:solidFill>
-            <a:srgbClr val="EDEDED"/>
-          </a:solidFill>
-        </p:spPr>
-      </p:pic>
-      <p:cxnSp>
-        <p:nvCxnSpPr>
-          <p:cNvPr id="1077" name="도형 41"/>
-          <p:cNvCxnSpPr/>
-          <p:nvPr/>
-        </p:nvCxnSpPr>
-        <p:spPr>
-          <a:xfrm rot="0" flipV="1">
-            <a:off x="2312035" y="1983105"/>
-            <a:ext cx="3014345" cy="1939925"/>
-          </a:xfrm>
-          <a:prstGeom prst="straightConnector1"/>
-          <a:ln w="6350" cap="flat" cmpd="sng">
-            <a:prstDash/>
-            <a:headEnd type="none" w="med" len="med"/>
-            <a:tailEnd type="triangle" w="med" len="med"/>
-          </a:ln>
-        </p:spPr>
-        <p:style>
-          <a:lnRef idx="1">
-            <a:schemeClr val="accent1"/>
-          </a:lnRef>
-          <a:fillRef idx="0">
-            <a:schemeClr val="accent1"/>
-          </a:fillRef>
-          <a:effectRef idx="0">
-            <a:schemeClr val="accent1"/>
-          </a:effectRef>
-          <a:fontRef idx="minor">
-            <a:schemeClr val="tx1"/>
-          </a:fontRef>
-        </p:style>
-      </p:cxnSp>
-      <p:pic>
-        <p:nvPicPr>
-          <p:cNvPr id="1078" name="그림 42" descr="C:/Users/Admin1/AppData/Roaming/PolarisOffice/ETemp/18200_22907784/fImage70263255705.png"/>
-          <p:cNvPicPr>
-            <a:picLocks noChangeAspect="1"/>
-          </p:cNvPicPr>
-          <p:nvPr/>
-        </p:nvPicPr>
-        <p:blipFill rotWithShape="1">
-          <a:blip r:embed="rId5" cstate="print">
-            <a:extLst>
-              <a:ext uri="{28A0092B-C50C-407E-A947-70E740481C1C}">
-                <a14:useLocalDpi xmlns:a14="http://schemas.microsoft.com/office/drawing/2010/main" val="0"/>
-              </a:ext>
-            </a:extLst>
-          </a:blip>
-          <a:stretch>
-            <a:fillRect/>
-          </a:stretch>
-        </p:blipFill>
-        <p:spPr>
-          <a:xfrm rot="0">
-            <a:off x="6838950" y="1476375"/>
-            <a:ext cx="4144010" cy="1019810"/>
-          </a:xfrm>
-          <a:prstGeom prst="roundRect"/>
-          <a:solidFill>
-            <a:srgbClr val="EDEDED"/>
-          </a:solidFill>
-        </p:spPr>
-      </p:pic>
-      <p:pic>
-        <p:nvPicPr>
-          <p:cNvPr id="1079" name="그림 45" descr="C:/Users/Admin1/AppData/Roaming/PolarisOffice/ETemp/18200_22907784/fImage64693268145.png"/>
-          <p:cNvPicPr>
-            <a:picLocks noChangeAspect="1"/>
-          </p:cNvPicPr>
-          <p:nvPr/>
-        </p:nvPicPr>
-        <p:blipFill rotWithShape="1">
-          <a:blip r:embed="rId6" cstate="print">
-            <a:extLst>
-              <a:ext uri="{28A0092B-C50C-407E-A947-70E740481C1C}">
-                <a14:useLocalDpi xmlns:a14="http://schemas.microsoft.com/office/drawing/2010/main" val="0"/>
-              </a:ext>
-            </a:extLst>
-          </a:blip>
-          <a:stretch>
-            <a:fillRect/>
-          </a:stretch>
-        </p:blipFill>
-        <p:spPr>
-          <a:xfrm rot="0">
-            <a:off x="6840220" y="2643505"/>
-            <a:ext cx="4133215" cy="1786255"/>
-          </a:xfrm>
-          <a:prstGeom prst="roundRect"/>
-          <a:solidFill>
-            <a:srgbClr val="EDEDED"/>
-          </a:solidFill>
-        </p:spPr>
-      </p:pic>
-      <p:sp>
-        <p:nvSpPr>
-          <p:cNvPr id="1080" name="텍스트 상자 48"/>
-          <p:cNvSpPr txBox="1">
-            <a:spLocks/>
-          </p:cNvSpPr>
-          <p:nvPr/>
-        </p:nvSpPr>
-        <p:spPr>
-          <a:xfrm rot="0">
-            <a:off x="6849110" y="4527550"/>
-            <a:ext cx="4117340" cy="1784985"/>
-          </a:xfrm>
-          <a:prstGeom prst="rect"/>
-          <a:noFill/>
-          <a:ln w="0">
-            <a:noFill/>
-            <a:prstDash/>
-          </a:ln>
-        </p:spPr>
-        <p:txBody>
-          <a:bodyPr wrap="square" lIns="89535" tIns="46355" rIns="89535" bIns="46355" numCol="1" vert="horz" anchor="t">
-            <a:spAutoFit/>
-          </a:bodyPr>
-          <a:lstStyle/>
-          <a:p>
-            <a:pPr marL="0" indent="0" rtl="0" algn="l" defTabSz="914400" eaLnBrk="1" latinLnBrk="0" hangingPunct="1">
-              <a:buFontTx/>
-              <a:buNone/>
-            </a:pPr>
-            <a:r>
-              <a:rPr lang="ko-KR" sz="2000" b="1">
-                <a:solidFill>
-                  <a:srgbClr val="0611F2"/>
-                </a:solidFill>
-                <a:latin typeface="맑은 고딕" charset="0"/>
-                <a:ea typeface="맑은 고딕" charset="0"/>
-              </a:rPr>
-              <a:t>21</a:t>
-            </a:r>
-            <a:r>
-              <a:rPr sz="2000" b="1">
-                <a:solidFill>
-                  <a:srgbClr val="0611F2"/>
-                </a:solidFill>
-                <a:latin typeface="맑은 고딕" charset="0"/>
-                <a:ea typeface="맑은 고딕" charset="0"/>
-              </a:rPr>
-              <a:t>. </a:t>
-            </a:r>
-            <a:r>
-              <a:rPr lang="ko-KR" sz="1800">
-                <a:latin typeface="맑은 고딕" charset="0"/>
-                <a:ea typeface="맑은 고딕" charset="0"/>
-              </a:rPr>
-              <a:t>그런 다음 Pause Button에 On Click( ) 함수를 추가합니다.</a:t>
-            </a:r>
-            <a:endParaRPr lang="ko-KR" altLang="en-US" sz="1800">
-              <a:latin typeface="맑은 고딕" charset="0"/>
-              <a:ea typeface="맑은 고딕" charset="0"/>
-            </a:endParaRPr>
-          </a:p>
-          <a:p>
-            <a:pPr marL="0" indent="0" rtl="0" algn="l" defTabSz="914400" eaLnBrk="1" latinLnBrk="0" hangingPunct="1">
-              <a:buFontTx/>
-              <a:buNone/>
-            </a:pPr>
-            <a:endParaRPr lang="ko-KR" altLang="en-US" sz="1800">
-              <a:latin typeface="맑은 고딕" charset="0"/>
-              <a:ea typeface="맑은 고딕" charset="0"/>
-            </a:endParaRPr>
-          </a:p>
-          <a:p>
-            <a:pPr marL="0" indent="0" rtl="0" algn="l" defTabSz="914400" eaLnBrk="1" latinLnBrk="0" hangingPunct="1">
-              <a:buFontTx/>
-              <a:buNone/>
-            </a:pPr>
-            <a:r>
-              <a:rPr lang="ko-KR" sz="1800">
-                <a:latin typeface="맑은 고딕" charset="0"/>
-                <a:ea typeface="맑은 고딕" charset="0"/>
-              </a:rPr>
-              <a:t>그리고 On Click( ) 함수에 자신의 오브젝트를 넣어주고 Behaviour( ) 함수를 설정합니다.</a:t>
-            </a:r>
-            <a:endParaRPr lang="ko-KR" altLang="en-US" sz="1800">
-              <a:latin typeface="맑은 고딕" charset="0"/>
-              <a:ea typeface="맑은 고딕" charset="0"/>
-            </a:endParaRPr>
-          </a:p>
-        </p:txBody>
-      </p:sp>
-      <p:cxnSp>
-        <p:nvCxnSpPr>
-          <p:cNvPr id="1081" name="도형 49"/>
-          <p:cNvCxnSpPr/>
-          <p:nvPr/>
-        </p:nvCxnSpPr>
-        <p:spPr>
-          <a:xfrm rot="0" flipH="1" flipV="1">
-            <a:off x="8067675" y="2095500"/>
-            <a:ext cx="1181735" cy="1772285"/>
-          </a:xfrm>
-          <a:prstGeom prst="straightConnector1"/>
-          <a:ln w="6350" cap="flat" cmpd="sng">
-            <a:prstDash/>
-            <a:headEnd type="none" w="med" len="med"/>
-            <a:tailEnd type="triangle" w="med" len="med"/>
-          </a:ln>
-        </p:spPr>
-        <p:style>
-          <a:lnRef idx="1">
-            <a:schemeClr val="accent1"/>
-          </a:lnRef>
-          <a:fillRef idx="0">
-            <a:schemeClr val="accent1"/>
-          </a:fillRef>
-          <a:effectRef idx="0">
-            <a:schemeClr val="accent1"/>
-          </a:effectRef>
-          <a:fontRef idx="minor">
-            <a:schemeClr val="tx1"/>
-          </a:fontRef>
-        </p:style>
-      </p:cxnSp>
-    </p:spTree>
-  </p:cSld>
-  <p:clrMapOvr>
-    <a:masterClrMapping/>
-  </p:clrMapOvr>
-  <mc:AlternateContent xmlns:mc="http://schemas.openxmlformats.org/markup-compatibility/2006">
-    <mc:Choice xmlns:p14="http://schemas.microsoft.com/office/powerpoint/2010/main" Requires="p14">
-      <p:transition spd="slow" p14:dur="2000"/>
-    </mc:Choice>
-    <mc:Fallback>
-      <p:transition spd="slow"/>
-    </mc:Fallback>
-  </mc:AlternateContent>
-  <p:timing>
-    <p:tnLst>
-      <p:par>
-        <p:cTn id="1" dur="indefinite" restart="never" nodeType="tmRoot"/>
-      </p:par>
-    </p:tnLst>
-  </p:timing>
-</p:sld>
-</file>
-
 <file path=ppt/slides/slide2.xml><?xml version="1.0" encoding="utf-8"?>
 <p:sld xmlns:a="http://schemas.openxmlformats.org/drawingml/2006/main" xmlns:r="http://schemas.openxmlformats.org/officeDocument/2006/relationships" xmlns:p="http://schemas.openxmlformats.org/presentationml/2006/main" xmlns:p14="http://schemas.microsoft.com/office/powerpoint/2010/main">
   <p:cSld>
@@ -14225,551 +12838,6 @@
           </a:p>
         </p:txBody>
       </p:sp>
-    </p:spTree>
-  </p:cSld>
-  <p:clrMapOvr>
-    <a:masterClrMapping/>
-  </p:clrMapOvr>
-  <mc:AlternateContent xmlns:mc="http://schemas.openxmlformats.org/markup-compatibility/2006">
-    <mc:Choice xmlns:p14="http://schemas.microsoft.com/office/powerpoint/2010/main" Requires="p14">
-      <p:transition spd="slow" p14:dur="2000"/>
-    </mc:Choice>
-    <mc:Fallback>
-      <p:transition spd="slow"/>
-    </mc:Fallback>
-  </mc:AlternateContent>
-  <p:timing>
-    <p:tnLst>
-      <p:par>
-        <p:cTn id="1" dur="indefinite" restart="never" nodeType="tmRoot"/>
-      </p:par>
-    </p:tnLst>
-  </p:timing>
-</p:sld>
-</file>
-
-<file path=ppt/slides/slide9.xml><?xml version="1.0" encoding="utf-8"?>
-<p:sld xmlns:a="http://schemas.openxmlformats.org/drawingml/2006/main" xmlns:r="http://schemas.openxmlformats.org/officeDocument/2006/relationships" xmlns:p="http://schemas.openxmlformats.org/presentationml/2006/main">
-  <p:cSld>
-    <p:spTree>
-      <p:nvGrpSpPr>
-        <p:cNvPr id="1" name=""/>
-        <p:cNvGrpSpPr/>
-        <p:nvPr/>
-      </p:nvGrpSpPr>
-      <p:grpSpPr>
-        <a:xfrm>
-          <a:off x="0" y="0"/>
-          <a:ext cx="0" cy="0"/>
-          <a:chOff x="0" y="0"/>
-          <a:chExt cx="0" cy="0"/>
-        </a:xfrm>
-      </p:grpSpPr>
-      <p:sp>
-        <p:nvSpPr>
-          <p:cNvPr id="1031" name="Rect 0"/>
-          <p:cNvSpPr txBox="1">
-            <a:spLocks/>
-          </p:cNvSpPr>
-          <p:nvPr/>
-        </p:nvSpPr>
-        <p:spPr>
-          <a:xfrm rot="0">
-            <a:off x="4333240" y="476250"/>
-            <a:ext cx="3542030" cy="554990"/>
-          </a:xfrm>
-          <a:prstGeom prst="rect"/>
-          <a:noFill/>
-          <a:ln w="0">
-            <a:noFill/>
-            <a:prstDash/>
-          </a:ln>
-        </p:spPr>
-        <p:txBody>
-          <a:bodyPr wrap="square" lIns="89535" tIns="46355" rIns="89535" bIns="46355" numCol="1" vert="horz" anchor="t">
-            <a:spAutoFit/>
-          </a:bodyPr>
-          <a:lstStyle/>
-          <a:p>
-            <a:pPr marL="0" indent="0" algn="l" latinLnBrk="0">
-              <a:buFontTx/>
-              <a:buNone/>
-            </a:pPr>
-            <a:r>
-              <a:rPr lang="ko-KR" sz="3000" b="1">
-                <a:solidFill>
-                  <a:schemeClr val="tx1"/>
-                </a:solidFill>
-                <a:latin typeface="맑은 고딕" charset="0"/>
-                <a:ea typeface="맑은 고딕" charset="0"/>
-              </a:rPr>
-              <a:t>아홉</a:t>
-            </a:r>
-            <a:r>
-              <a:rPr lang="ko-KR" sz="3000" b="1">
-                <a:solidFill>
-                  <a:schemeClr val="tx1"/>
-                </a:solidFill>
-                <a:latin typeface="맑은 고딕" charset="0"/>
-                <a:ea typeface="맑은 고딕" charset="0"/>
-              </a:rPr>
-              <a:t> 번째 튜토리얼</a:t>
-            </a:r>
-            <a:endParaRPr lang="ko-KR" altLang="en-US" sz="3000" b="1">
-              <a:solidFill>
-                <a:schemeClr val="tx1"/>
-              </a:solidFill>
-              <a:latin typeface="맑은 고딕" charset="0"/>
-              <a:ea typeface="맑은 고딕" charset="0"/>
-            </a:endParaRPr>
-          </a:p>
-        </p:txBody>
-      </p:sp>
-      <p:sp>
-        <p:nvSpPr>
-          <p:cNvPr id="1053" name="Rect 0"/>
-          <p:cNvSpPr txBox="1">
-            <a:spLocks/>
-          </p:cNvSpPr>
-          <p:nvPr/>
-        </p:nvSpPr>
-        <p:spPr>
-          <a:xfrm rot="0">
-            <a:off x="1395095" y="3875405"/>
-            <a:ext cx="3987165" cy="2308225"/>
-          </a:xfrm>
-          <a:prstGeom prst="rect"/>
-          <a:noFill/>
-          <a:ln w="0">
-            <a:noFill/>
-            <a:prstDash/>
-          </a:ln>
-        </p:spPr>
-        <p:txBody>
-          <a:bodyPr wrap="square" lIns="89535" tIns="46355" rIns="89535" bIns="46355" numCol="1" vert="horz" anchor="t">
-            <a:spAutoFit/>
-          </a:bodyPr>
-          <a:lstStyle/>
-          <a:p>
-            <a:pPr marL="0" indent="0" rtl="0" algn="l" defTabSz="914400" eaLnBrk="1" latinLnBrk="0" hangingPunct="1">
-              <a:buFontTx/>
-              <a:buNone/>
-            </a:pPr>
-            <a:r>
-              <a:rPr lang="ko-KR" sz="1800">
-                <a:latin typeface="맑은 고딕" charset="0"/>
-                <a:ea typeface="맑은 고딕" charset="0"/>
-              </a:rPr>
-              <a:t>코루틴 함수란?</a:t>
-            </a:r>
-            <a:endParaRPr lang="ko-KR" altLang="en-US" sz="1800">
-              <a:latin typeface="맑은 고딕" charset="0"/>
-              <a:ea typeface="맑은 고딕" charset="0"/>
-            </a:endParaRPr>
-          </a:p>
-          <a:p>
-            <a:pPr marL="0" indent="0" rtl="0" algn="l" defTabSz="914400" eaLnBrk="1" latinLnBrk="0" hangingPunct="1">
-              <a:buFontTx/>
-              <a:buNone/>
-            </a:pPr>
-            <a:r>
-              <a:rPr lang="ko-KR" sz="1800">
-                <a:latin typeface="맑은 고딕" charset="0"/>
-                <a:ea typeface="맑은 고딕" charset="0"/>
-              </a:rPr>
-              <a:t>특정한 위치에서 실행을 정지하고 Unity에 제어권을 돌려줍니다.</a:t>
-            </a:r>
-            <a:endParaRPr lang="ko-KR" altLang="en-US" sz="1800">
-              <a:latin typeface="맑은 고딕" charset="0"/>
-              <a:ea typeface="맑은 고딕" charset="0"/>
-            </a:endParaRPr>
-          </a:p>
-          <a:p>
-            <a:pPr marL="0" indent="0" rtl="0" algn="l" defTabSz="914400" eaLnBrk="1" latinLnBrk="0" hangingPunct="1">
-              <a:buFontTx/>
-              <a:buNone/>
-            </a:pPr>
-            <a:endParaRPr lang="ko-KR" altLang="en-US" sz="1800">
-              <a:latin typeface="맑은 고딕" charset="0"/>
-              <a:ea typeface="맑은 고딕" charset="0"/>
-            </a:endParaRPr>
-          </a:p>
-          <a:p>
-            <a:pPr marL="0" indent="0" rtl="0" algn="l" defTabSz="914400" eaLnBrk="1" latinLnBrk="0" hangingPunct="1">
-              <a:buFontTx/>
-              <a:buNone/>
-            </a:pPr>
-            <a:r>
-              <a:rPr lang="ko-KR" sz="1800">
-                <a:latin typeface="맑은 고딕" charset="0"/>
-                <a:ea typeface="맑은 고딕" charset="0"/>
-              </a:rPr>
-              <a:t>그다음 계속 실행할 때는 다음 프레임에서 실행을 멈춘 위치부터 실행을 계속할 수 있도록 진행해주는 함수입니다.</a:t>
-            </a:r>
-            <a:endParaRPr lang="ko-KR" altLang="en-US" sz="1800">
-              <a:latin typeface="맑은 고딕" charset="0"/>
-              <a:ea typeface="맑은 고딕" charset="0"/>
-            </a:endParaRPr>
-          </a:p>
-        </p:txBody>
-      </p:sp>
-      <p:sp>
-        <p:nvSpPr>
-          <p:cNvPr id="1061" name="Rect 0"/>
-          <p:cNvSpPr txBox="1">
-            <a:spLocks/>
-          </p:cNvSpPr>
-          <p:nvPr/>
-        </p:nvSpPr>
-        <p:spPr>
-          <a:xfrm rot="0">
-            <a:off x="6817995" y="4123055"/>
-            <a:ext cx="4105910" cy="2061845"/>
-          </a:xfrm>
-          <a:prstGeom prst="rect"/>
-          <a:noFill/>
-          <a:ln w="0">
-            <a:noFill/>
-            <a:prstDash/>
-          </a:ln>
-        </p:spPr>
-        <p:txBody>
-          <a:bodyPr wrap="square" lIns="89535" tIns="46355" rIns="89535" bIns="46355" numCol="1" vert="horz" anchor="t">
-            <a:spAutoFit/>
-          </a:bodyPr>
-          <a:lstStyle/>
-          <a:p>
-            <a:pPr marL="0" indent="0" rtl="0" algn="l" defTabSz="914400" eaLnBrk="1" latinLnBrk="0" hangingPunct="1">
-              <a:buFontTx/>
-              <a:buNone/>
-            </a:pPr>
-            <a:r>
-              <a:rPr lang="ko-KR" sz="2000" b="1">
-                <a:solidFill>
-                  <a:srgbClr val="0611F2"/>
-                </a:solidFill>
-                <a:latin typeface="맑은 고딕" charset="0"/>
-                <a:ea typeface="맑은 고딕" charset="0"/>
-              </a:rPr>
-              <a:t>1</a:t>
-            </a:r>
-            <a:r>
-              <a:rPr lang="ko-KR" sz="2000" b="1">
-                <a:solidFill>
-                  <a:srgbClr val="0611F2"/>
-                </a:solidFill>
-                <a:latin typeface="맑은 고딕" charset="0"/>
-                <a:ea typeface="맑은 고딕" charset="0"/>
-              </a:rPr>
-              <a:t>7</a:t>
-            </a:r>
-            <a:r>
-              <a:rPr sz="2000" b="1">
-                <a:solidFill>
-                  <a:srgbClr val="0611F2"/>
-                </a:solidFill>
-                <a:latin typeface="맑은 고딕" charset="0"/>
-                <a:ea typeface="맑은 고딕" charset="0"/>
-              </a:rPr>
-              <a:t>. </a:t>
-            </a:r>
-            <a:r>
-              <a:rPr lang="ko-KR" sz="1800">
-                <a:latin typeface="맑은 고딕" charset="0"/>
-                <a:ea typeface="맑은 고딕" charset="0"/>
-              </a:rPr>
-              <a:t>그다음 Various 스크립트에 Project 폴더에 있는 Texture에 Berries와 Pumkin 그리고 Tangerines 텍스처를 넣어줍니다.</a:t>
-            </a:r>
-            <a:endParaRPr lang="ko-KR" altLang="en-US" sz="1800">
-              <a:latin typeface="맑은 고딕" charset="0"/>
-              <a:ea typeface="맑은 고딕" charset="0"/>
-            </a:endParaRPr>
-          </a:p>
-          <a:p>
-            <a:pPr marL="0" indent="0" rtl="0" algn="l" defTabSz="914400" eaLnBrk="1" latinLnBrk="0" hangingPunct="1">
-              <a:buFontTx/>
-              <a:buNone/>
-            </a:pPr>
-            <a:endParaRPr lang="ko-KR" altLang="en-US" sz="1800">
-              <a:latin typeface="맑은 고딕" charset="0"/>
-              <a:ea typeface="맑은 고딕" charset="0"/>
-            </a:endParaRPr>
-          </a:p>
-          <a:p>
-            <a:pPr marL="0" indent="0" rtl="0" algn="l" defTabSz="914400" eaLnBrk="1" latinLnBrk="0" hangingPunct="1">
-              <a:buFontTx/>
-              <a:buNone/>
-            </a:pPr>
-            <a:r>
-              <a:rPr lang="ko-KR" sz="1800">
-                <a:latin typeface="맑은 고딕" charset="0"/>
-                <a:ea typeface="맑은 고딕" charset="0"/>
-              </a:rPr>
-              <a:t>그런 다음 이미지에는 State 오브젝트를 넣어줍니다. </a:t>
-            </a:r>
-            <a:endParaRPr lang="ko-KR" altLang="en-US" sz="1800">
-              <a:latin typeface="맑은 고딕" charset="0"/>
-              <a:ea typeface="맑은 고딕" charset="0"/>
-            </a:endParaRPr>
-          </a:p>
-        </p:txBody>
-      </p:sp>
-      <p:pic>
-        <p:nvPicPr>
-          <p:cNvPr id="1062" name="그림 5" descr="C:/Users/Admin1/AppData/Roaming/PolarisOffice/ETemp/18200_22907784/fImage121272878467.png"/>
-          <p:cNvPicPr>
-            <a:picLocks noChangeAspect="1"/>
-          </p:cNvPicPr>
-          <p:nvPr/>
-        </p:nvPicPr>
-        <p:blipFill rotWithShape="1">
-          <a:blip r:embed="rId2" cstate="print">
-            <a:extLst>
-              <a:ext uri="{28A0092B-C50C-407E-A947-70E740481C1C}">
-                <a14:useLocalDpi xmlns:a14="http://schemas.microsoft.com/office/drawing/2010/main" val="0"/>
-              </a:ext>
-            </a:extLst>
-          </a:blip>
-          <a:stretch>
-            <a:fillRect/>
-          </a:stretch>
-        </p:blipFill>
-        <p:spPr>
-          <a:xfrm rot="0">
-            <a:off x="1392555" y="1475105"/>
-            <a:ext cx="3996055" cy="2209800"/>
-          </a:xfrm>
-          <a:prstGeom prst="roundRect"/>
-          <a:solidFill>
-            <a:srgbClr val="EDEDED"/>
-          </a:solidFill>
-        </p:spPr>
-      </p:pic>
-      <p:pic>
-        <p:nvPicPr>
-          <p:cNvPr id="1063" name="그림 8" descr="C:/Users/Admin1/AppData/Roaming/PolarisOffice/ETemp/18200_22907784/fImage155412886334.png"/>
-          <p:cNvPicPr>
-            <a:picLocks noChangeAspect="1"/>
-          </p:cNvPicPr>
-          <p:nvPr/>
-        </p:nvPicPr>
-        <p:blipFill rotWithShape="1">
-          <a:blip r:embed="rId3" cstate="print">
-            <a:extLst>
-              <a:ext uri="{28A0092B-C50C-407E-A947-70E740481C1C}">
-                <a14:useLocalDpi xmlns:a14="http://schemas.microsoft.com/office/drawing/2010/main" val="0"/>
-              </a:ext>
-            </a:extLst>
-          </a:blip>
-          <a:stretch>
-            <a:fillRect/>
-          </a:stretch>
-        </p:blipFill>
-        <p:spPr>
-          <a:xfrm rot="0">
-            <a:off x="6815455" y="1487805"/>
-            <a:ext cx="4117340" cy="1245870"/>
-          </a:xfrm>
-          <a:prstGeom prst="roundRect"/>
-          <a:solidFill>
-            <a:srgbClr val="EDEDED"/>
-          </a:solidFill>
-        </p:spPr>
-      </p:pic>
-      <p:pic>
-        <p:nvPicPr>
-          <p:cNvPr id="1064" name="그림 11" descr="C:/Users/Admin1/AppData/Roaming/PolarisOffice/ETemp/18200_22907784/fImage335502896500.png"/>
-          <p:cNvPicPr>
-            <a:picLocks noChangeAspect="1"/>
-          </p:cNvPicPr>
-          <p:nvPr/>
-        </p:nvPicPr>
-        <p:blipFill rotWithShape="1">
-          <a:blip r:embed="rId4" cstate="print">
-            <a:extLst>
-              <a:ext uri="{28A0092B-C50C-407E-A947-70E740481C1C}">
-                <a14:useLocalDpi xmlns:a14="http://schemas.microsoft.com/office/drawing/2010/main" val="0"/>
-              </a:ext>
-            </a:extLst>
-          </a:blip>
-          <a:stretch>
-            <a:fillRect/>
-          </a:stretch>
-        </p:blipFill>
-        <p:spPr>
-          <a:xfrm rot="0">
-            <a:off x="8173085" y="2905760"/>
-            <a:ext cx="2764790" cy="1108075"/>
-          </a:xfrm>
-          <a:prstGeom prst="roundRect"/>
-          <a:solidFill>
-            <a:srgbClr val="EDEDED"/>
-          </a:solidFill>
-        </p:spPr>
-      </p:pic>
-      <p:pic>
-        <p:nvPicPr>
-          <p:cNvPr id="1065" name="그림 14" descr="C:/Users/Admin1/AppData/Roaming/PolarisOffice/ETemp/18200_22907784/fImage65252909169.png"/>
-          <p:cNvPicPr>
-            <a:picLocks noChangeAspect="1"/>
-          </p:cNvPicPr>
-          <p:nvPr/>
-        </p:nvPicPr>
-        <p:blipFill rotWithShape="1">
-          <a:blip r:embed="rId5" cstate="print">
-            <a:extLst>
-              <a:ext uri="{28A0092B-C50C-407E-A947-70E740481C1C}">
-                <a14:useLocalDpi xmlns:a14="http://schemas.microsoft.com/office/drawing/2010/main" val="0"/>
-              </a:ext>
-            </a:extLst>
-          </a:blip>
-          <a:stretch>
-            <a:fillRect/>
-          </a:stretch>
-        </p:blipFill>
-        <p:spPr>
-          <a:xfrm rot="0">
-            <a:off x="6815455" y="2895600"/>
-            <a:ext cx="1193800" cy="1109345"/>
-          </a:xfrm>
-          <a:prstGeom prst="roundRect"/>
-          <a:solidFill>
-            <a:srgbClr val="EDEDED"/>
-          </a:solidFill>
-        </p:spPr>
-      </p:pic>
-      <p:cxnSp>
-        <p:nvCxnSpPr>
-          <p:cNvPr id="1066" name="도형 17"/>
-          <p:cNvCxnSpPr/>
-          <p:nvPr/>
-        </p:nvCxnSpPr>
-        <p:spPr>
-          <a:xfrm rot="0" flipV="1">
-            <a:off x="8769985" y="2334895"/>
-            <a:ext cx="2059305" cy="805180"/>
-          </a:xfrm>
-          <a:prstGeom prst="straightConnector1"/>
-          <a:ln w="6350" cap="flat" cmpd="sng">
-            <a:prstDash/>
-            <a:headEnd type="none" w="med" len="med"/>
-            <a:tailEnd type="triangle" w="med" len="med"/>
-          </a:ln>
-        </p:spPr>
-        <p:style>
-          <a:lnRef idx="1">
-            <a:schemeClr val="accent1"/>
-          </a:lnRef>
-          <a:fillRef idx="0">
-            <a:schemeClr val="accent1"/>
-          </a:fillRef>
-          <a:effectRef idx="0">
-            <a:schemeClr val="accent1"/>
-          </a:effectRef>
-          <a:fontRef idx="minor">
-            <a:schemeClr val="tx1"/>
-          </a:fontRef>
-        </p:style>
-      </p:cxnSp>
-      <p:cxnSp>
-        <p:nvCxnSpPr>
-          <p:cNvPr id="1067" name="도형 18"/>
-          <p:cNvCxnSpPr/>
-          <p:nvPr/>
-        </p:nvCxnSpPr>
-        <p:spPr>
-          <a:xfrm rot="0" flipV="1">
-            <a:off x="10283190" y="2482215"/>
-            <a:ext cx="554355" cy="666750"/>
-          </a:xfrm>
-          <a:prstGeom prst="straightConnector1"/>
-          <a:ln w="6350" cap="flat" cmpd="sng">
-            <a:prstDash/>
-            <a:headEnd type="none" w="med" len="med"/>
-            <a:tailEnd type="triangle" w="med" len="med"/>
-          </a:ln>
-        </p:spPr>
-        <p:style>
-          <a:lnRef idx="1">
-            <a:schemeClr val="accent1"/>
-          </a:lnRef>
-          <a:fillRef idx="0">
-            <a:schemeClr val="accent1"/>
-          </a:fillRef>
-          <a:effectRef idx="0">
-            <a:schemeClr val="accent1"/>
-          </a:effectRef>
-          <a:fontRef idx="minor">
-            <a:schemeClr val="tx1"/>
-          </a:fontRef>
-        </p:style>
-      </p:cxnSp>
-      <p:cxnSp>
-        <p:nvCxnSpPr>
-          <p:cNvPr id="1068" name="도형 19"/>
-          <p:cNvCxnSpPr/>
-          <p:nvPr/>
-        </p:nvCxnSpPr>
-        <p:spPr>
-          <a:xfrm rot="0" flipV="1">
-            <a:off x="10681335" y="2637790"/>
-            <a:ext cx="156210" cy="511175"/>
-          </a:xfrm>
-          <a:prstGeom prst="straightConnector1"/>
-          <a:ln w="6350" cap="flat" cmpd="sng">
-            <a:prstDash/>
-            <a:headEnd type="none" w="med" len="med"/>
-            <a:tailEnd type="triangle" w="med" len="med"/>
-          </a:ln>
-        </p:spPr>
-        <p:style>
-          <a:lnRef idx="1">
-            <a:schemeClr val="accent1"/>
-          </a:lnRef>
-          <a:fillRef idx="0">
-            <a:schemeClr val="accent1"/>
-          </a:fillRef>
-          <a:effectRef idx="0">
-            <a:schemeClr val="accent1"/>
-          </a:effectRef>
-          <a:fontRef idx="minor">
-            <a:schemeClr val="tx1"/>
-          </a:fontRef>
-        </p:style>
-      </p:cxnSp>
-      <p:cxnSp>
-        <p:nvCxnSpPr>
-          <p:cNvPr id="1069" name="도형 20"/>
-          <p:cNvCxnSpPr/>
-          <p:nvPr/>
-        </p:nvCxnSpPr>
-        <p:spPr>
-          <a:xfrm rot="0" flipV="1">
-            <a:off x="7619365" y="1885315"/>
-            <a:ext cx="3235325" cy="1678940"/>
-          </a:xfrm>
-          <a:prstGeom prst="straightConnector1"/>
-          <a:ln w="6350" cap="flat" cmpd="sng">
-            <a:prstDash/>
-            <a:headEnd type="none" w="med" len="med"/>
-            <a:tailEnd type="triangle" w="med" len="med"/>
-          </a:ln>
-        </p:spPr>
-        <p:style>
-          <a:lnRef idx="1">
-            <a:schemeClr val="accent1"/>
-          </a:lnRef>
-          <a:fillRef idx="0">
-            <a:schemeClr val="accent1"/>
-          </a:fillRef>
-          <a:effectRef idx="0">
-            <a:schemeClr val="accent1"/>
-          </a:effectRef>
-          <a:fontRef idx="minor">
-            <a:schemeClr val="tx1"/>
-          </a:fontRef>
-        </p:style>
-      </p:cxnSp>
     </p:spTree>
   </p:cSld>
   <p:clrMapOvr>
